--- a/Presentation/DBP - Clinical Trial Recruitment.pptx
+++ b/Presentation/DBP - Clinical Trial Recruitment.pptx
@@ -180,10 +180,40 @@
   <pc:docChgLst>
     <pc:chgData name="riad beqiri" userId="ec1538a2881ba5af" providerId="LiveId" clId="{9C9D85DB-DBC1-47FC-A3FE-BA4599F67744}"/>
     <pc:docChg chg="custSel modSld">
-      <pc:chgData name="riad beqiri" userId="ec1538a2881ba5af" providerId="LiveId" clId="{9C9D85DB-DBC1-47FC-A3FE-BA4599F67744}" dt="2022-12-22T10:17:44.570" v="21" actId="408"/>
+      <pc:chgData name="riad beqiri" userId="ec1538a2881ba5af" providerId="LiveId" clId="{9C9D85DB-DBC1-47FC-A3FE-BA4599F67744}" dt="2022-12-22T12:31:49.076" v="79" actId="207"/>
       <pc:docMkLst>
         <pc:docMk/>
       </pc:docMkLst>
+      <pc:sldChg chg="modSp mod">
+        <pc:chgData name="riad beqiri" userId="ec1538a2881ba5af" providerId="LiveId" clId="{9C9D85DB-DBC1-47FC-A3FE-BA4599F67744}" dt="2022-12-22T12:31:49.076" v="79" actId="207"/>
+        <pc:sldMkLst>
+          <pc:docMk/>
+          <pc:sldMk cId="832869363" sldId="275"/>
+        </pc:sldMkLst>
+        <pc:spChg chg="mod">
+          <ac:chgData name="riad beqiri" userId="ec1538a2881ba5af" providerId="LiveId" clId="{9C9D85DB-DBC1-47FC-A3FE-BA4599F67744}" dt="2022-12-22T12:31:49.076" v="79" actId="207"/>
+          <ac:spMkLst>
+            <pc:docMk/>
+            <pc:sldMk cId="832869363" sldId="275"/>
+            <ac:spMk id="2" creationId="{04AEFD96-FC6E-2F48-824F-F41065E70BD1}"/>
+          </ac:spMkLst>
+        </pc:spChg>
+      </pc:sldChg>
+      <pc:sldChg chg="modSp mod">
+        <pc:chgData name="riad beqiri" userId="ec1538a2881ba5af" providerId="LiveId" clId="{9C9D85DB-DBC1-47FC-A3FE-BA4599F67744}" dt="2022-12-22T12:30:28.986" v="48" actId="20577"/>
+        <pc:sldMkLst>
+          <pc:docMk/>
+          <pc:sldMk cId="3049390789" sldId="325"/>
+        </pc:sldMkLst>
+        <pc:spChg chg="mod">
+          <ac:chgData name="riad beqiri" userId="ec1538a2881ba5af" providerId="LiveId" clId="{9C9D85DB-DBC1-47FC-A3FE-BA4599F67744}" dt="2022-12-22T12:30:28.986" v="48" actId="20577"/>
+          <ac:spMkLst>
+            <pc:docMk/>
+            <pc:sldMk cId="3049390789" sldId="325"/>
+            <ac:spMk id="13" creationId="{EC8461E0-A413-A3DC-D6FC-2BA83E31D328}"/>
+          </ac:spMkLst>
+        </pc:spChg>
+      </pc:sldChg>
       <pc:sldChg chg="addSp delSp modSp mod">
         <pc:chgData name="riad beqiri" userId="ec1538a2881ba5af" providerId="LiveId" clId="{9C9D85DB-DBC1-47FC-A3FE-BA4599F67744}" dt="2022-12-22T10:17:44.570" v="21" actId="408"/>
         <pc:sldMkLst>
@@ -4682,7 +4712,7 @@
           <a:p>
             <a:r>
               <a:rPr lang="de-DE" dirty="0"/>
-              <a:t>Digitalisation of Business Processes</a:t>
+              <a:t>Team Film Festival Locarno</a:t>
             </a:r>
             <a:br>
               <a:rPr lang="de-DE" i="1" dirty="0"/>
@@ -4705,14 +4735,32 @@
               <a:rPr lang="de-DE" sz="1400" i="1" dirty="0"/>
             </a:br>
             <a:r>
-              <a:rPr lang="de-DE" sz="1400" i="1" dirty="0"/>
+              <a:rPr lang="de-DE" sz="1400" i="1" dirty="0">
+                <a:solidFill>
+                  <a:schemeClr val="bg1">
+                    <a:lumMod val="75000"/>
+                  </a:schemeClr>
+                </a:solidFill>
+              </a:rPr>
               <a:t>Navneet Kaur</a:t>
             </a:r>
             <a:br>
-              <a:rPr lang="de-DE" sz="1400" i="1" dirty="0"/>
+              <a:rPr lang="de-DE" sz="1400" i="1" dirty="0">
+                <a:solidFill>
+                  <a:schemeClr val="bg1">
+                    <a:lumMod val="75000"/>
+                  </a:schemeClr>
+                </a:solidFill>
+              </a:rPr>
             </a:br>
             <a:r>
-              <a:rPr lang="de-DE" sz="1400" i="1" dirty="0"/>
+              <a:rPr lang="de-DE" sz="1400" i="1" dirty="0">
+                <a:solidFill>
+                  <a:schemeClr val="bg1">
+                    <a:lumMod val="75000"/>
+                  </a:schemeClr>
+                </a:solidFill>
+              </a:rPr>
               <a:t>Pawanpreet Kaut</a:t>
             </a:r>
           </a:p>
@@ -5238,6 +5286,22 @@
             </a:r>
             <a:r>
               <a:rPr lang="de-CH" sz="1200" kern="0" dirty="0"/>
+              <a:t>, </a:t>
+            </a:r>
+            <a:r>
+              <a:rPr lang="de-CH" sz="1200" kern="0" dirty="0" err="1"/>
+              <a:t>diagnostic</a:t>
+            </a:r>
+            <a:r>
+              <a:rPr lang="de-CH" sz="1200" kern="0" dirty="0"/>
+              <a:t> </a:t>
+            </a:r>
+            <a:r>
+              <a:rPr lang="de-CH" sz="1200" kern="0" dirty="0" err="1"/>
+              <a:t>procedures</a:t>
+            </a:r>
+            <a:r>
+              <a:rPr lang="de-CH" sz="1200" kern="0" dirty="0"/>
               <a:t> </a:t>
             </a:r>
             <a:r>
@@ -5250,15 +5314,7 @@
             </a:r>
             <a:r>
               <a:rPr lang="de-CH" sz="1200" kern="0" dirty="0" err="1"/>
-              <a:t>diagnostic</a:t>
-            </a:r>
-            <a:r>
-              <a:rPr lang="de-CH" sz="1200" kern="0" dirty="0"/>
-              <a:t> </a:t>
-            </a:r>
-            <a:r>
-              <a:rPr lang="de-CH" sz="1200" kern="0" dirty="0" err="1"/>
-              <a:t>procedures</a:t>
+              <a:t>drugs</a:t>
             </a:r>
             <a:r>
               <a:rPr lang="de-CH" sz="1200" kern="0" dirty="0"/>
@@ -9125,6 +9181,26 @@
 </file>
 
 <file path=customXml/item1.xml><?xml version="1.0" encoding="utf-8"?>
+<?mso-contentType ?>
+<FormTemplates xmlns="http://schemas.microsoft.com/sharepoint/v3/contenttype/forms">
+  <Display>DocumentLibraryForm</Display>
+  <Edit>DocumentLibraryForm</Edit>
+  <New>DocumentLibraryForm</New>
+</FormTemplates>
+</file>
+
+<file path=customXml/item2.xml><?xml version="1.0" encoding="utf-8"?>
+<p:properties xmlns:p="http://schemas.microsoft.com/office/2006/metadata/properties" xmlns:xsi="http://www.w3.org/2001/XMLSchema-instance" xmlns:pc="http://schemas.microsoft.com/office/infopath/2007/PartnerControls">
+  <documentManagement>
+    <Sprache xmlns="69e60002-4b69-4aad-9e3a-e3a9db2b0f4f">Deutsch</Sprache>
+    <Format xmlns="69e60002-4b69-4aad-9e3a-e3a9db2b0f4f" xsi:nil="true"/>
+    <Organisation_x0020__x002f__x0020_Hochschule xmlns="69e60002-4b69-4aad-9e3a-e3a9db2b0f4f">HABG</Organisation_x0020__x002f__x0020_Hochschule>
+    <Vorlage xmlns="69e60002-4b69-4aad-9e3a-e3a9db2b0f4f">Power Point</Vorlage>
+  </documentManagement>
+</p:properties>
+</file>
+
+<file path=customXml/item3.xml><?xml version="1.0" encoding="utf-8"?>
 <ct:contentTypeSchema xmlns:ct="http://schemas.microsoft.com/office/2006/metadata/contentType" xmlns:ma="http://schemas.microsoft.com/office/2006/metadata/properties/metaAttributes" ct:_="" ma:_="" ma:contentTypeName="Dokument" ma:contentTypeID="0x010100AC764BFD121A654BAFEE3F0D30D09696" ma:contentTypeVersion="4" ma:contentTypeDescription="Ein neues Dokument erstellen." ma:contentTypeScope="" ma:versionID="f0b21a448d18db25e00af343419af742">
   <xsd:schema xmlns:xsd="http://www.w3.org/2001/XMLSchema" xmlns:xs="http://www.w3.org/2001/XMLSchema" xmlns:p="http://schemas.microsoft.com/office/2006/metadata/properties" xmlns:ns2="69e60002-4b69-4aad-9e3a-e3a9db2b0f4f" targetNamespace="http://schemas.microsoft.com/office/2006/metadata/properties" ma:root="true" ma:fieldsID="a976930b042ac8693047c70f2498f757" ns2:_="">
     <xsd:import namespace="69e60002-4b69-4aad-9e3a-e3a9db2b0f4f"/>
@@ -9299,27 +9375,25 @@
 </ct:contentTypeSchema>
 </file>
 
-<file path=customXml/item2.xml><?xml version="1.0" encoding="utf-8"?>
-<p:properties xmlns:p="http://schemas.microsoft.com/office/2006/metadata/properties" xmlns:xsi="http://www.w3.org/2001/XMLSchema-instance" xmlns:pc="http://schemas.microsoft.com/office/infopath/2007/PartnerControls">
-  <documentManagement>
-    <Sprache xmlns="69e60002-4b69-4aad-9e3a-e3a9db2b0f4f">Deutsch</Sprache>
-    <Format xmlns="69e60002-4b69-4aad-9e3a-e3a9db2b0f4f" xsi:nil="true"/>
-    <Organisation_x0020__x002f__x0020_Hochschule xmlns="69e60002-4b69-4aad-9e3a-e3a9db2b0f4f">HABG</Organisation_x0020__x002f__x0020_Hochschule>
-    <Vorlage xmlns="69e60002-4b69-4aad-9e3a-e3a9db2b0f4f">Power Point</Vorlage>
-  </documentManagement>
-</p:properties>
+<file path=customXml/itemProps1.xml><?xml version="1.0" encoding="utf-8"?>
+<ds:datastoreItem xmlns:ds="http://schemas.openxmlformats.org/officeDocument/2006/customXml" ds:itemID="{AF5C1254-3794-4323-9995-0E6DA0E53689}">
+  <ds:schemaRefs>
+    <ds:schemaRef ds:uri="http://schemas.microsoft.com/sharepoint/v3/contenttype/forms"/>
+  </ds:schemaRefs>
+</ds:datastoreItem>
 </file>
 
-<file path=customXml/item3.xml><?xml version="1.0" encoding="utf-8"?>
-<?mso-contentType ?>
-<FormTemplates xmlns="http://schemas.microsoft.com/sharepoint/v3/contenttype/forms">
-  <Display>DocumentLibraryForm</Display>
-  <Edit>DocumentLibraryForm</Edit>
-  <New>DocumentLibraryForm</New>
-</FormTemplates>
+<file path=customXml/itemProps2.xml><?xml version="1.0" encoding="utf-8"?>
+<ds:datastoreItem xmlns:ds="http://schemas.openxmlformats.org/officeDocument/2006/customXml" ds:itemID="{60C8FD21-936B-42CB-BAAD-3688CE8DB848}">
+  <ds:schemaRefs>
+    <ds:schemaRef ds:uri="http://schemas.microsoft.com/office/2006/metadata/properties"/>
+    <ds:schemaRef ds:uri="http://schemas.microsoft.com/office/infopath/2007/PartnerControls"/>
+    <ds:schemaRef ds:uri="69e60002-4b69-4aad-9e3a-e3a9db2b0f4f"/>
+  </ds:schemaRefs>
+</ds:datastoreItem>
 </file>
 
-<file path=customXml/itemProps1.xml><?xml version="1.0" encoding="utf-8"?>
+<file path=customXml/itemProps3.xml><?xml version="1.0" encoding="utf-8"?>
 <ds:datastoreItem xmlns:ds="http://schemas.openxmlformats.org/officeDocument/2006/customXml" ds:itemID="{E51EF090-318D-446C-BF8C-F1AFA31D7BFF}">
   <ds:schemaRefs>
     <ds:schemaRef ds:uri="http://schemas.microsoft.com/office/2006/metadata/contentType"/>
@@ -9335,22 +9409,4 @@
     <ds:schemaRef ds:uri="http://schemas.microsoft.com/internal/obd"/>
   </ds:schemaRefs>
 </ds:datastoreItem>
-</file>
-
-<file path=customXml/itemProps2.xml><?xml version="1.0" encoding="utf-8"?>
-<ds:datastoreItem xmlns:ds="http://schemas.openxmlformats.org/officeDocument/2006/customXml" ds:itemID="{60C8FD21-936B-42CB-BAAD-3688CE8DB848}">
-  <ds:schemaRefs>
-    <ds:schemaRef ds:uri="http://schemas.microsoft.com/office/2006/metadata/properties"/>
-    <ds:schemaRef ds:uri="http://schemas.microsoft.com/office/infopath/2007/PartnerControls"/>
-    <ds:schemaRef ds:uri="69e60002-4b69-4aad-9e3a-e3a9db2b0f4f"/>
-  </ds:schemaRefs>
-</ds:datastoreItem>
-</file>
-
-<file path=customXml/itemProps3.xml><?xml version="1.0" encoding="utf-8"?>
-<ds:datastoreItem xmlns:ds="http://schemas.openxmlformats.org/officeDocument/2006/customXml" ds:itemID="{AF5C1254-3794-4323-9995-0E6DA0E53689}">
-  <ds:schemaRefs>
-    <ds:schemaRef ds:uri="http://schemas.microsoft.com/sharepoint/v3/contenttype/forms"/>
-  </ds:schemaRefs>
-</ds:datastoreItem>
 </file>